--- a/sotusei_siryo/企画メンタリングLTフィードバック.pptx
+++ b/sotusei_siryo/企画メンタリングLTフィードバック.pptx
@@ -16,10 +16,13 @@
     <p:sldId id="268" r:id="rId10"/>
     <p:sldId id="267" r:id="rId11"/>
     <p:sldId id="270" r:id="rId12"/>
-    <p:sldId id="263" r:id="rId13"/>
-    <p:sldId id="264" r:id="rId14"/>
-    <p:sldId id="266" r:id="rId15"/>
-    <p:sldId id="265" r:id="rId16"/>
+    <p:sldId id="272" r:id="rId13"/>
+    <p:sldId id="273" r:id="rId14"/>
+    <p:sldId id="271" r:id="rId15"/>
+    <p:sldId id="263" r:id="rId16"/>
+    <p:sldId id="264" r:id="rId17"/>
+    <p:sldId id="266" r:id="rId18"/>
+    <p:sldId id="265" r:id="rId19"/>
   </p:sldIdLst>
   <p:sldSz cx="12192000" cy="6858000"/>
   <p:notesSz cx="6858000" cy="9144000"/>
@@ -3691,11 +3694,7 @@
           <a:p>
             <a:r>
               <a:rPr kumimoji="1" lang="ja-JP" altLang="en-US" sz="4400" dirty="0" smtClean="0"/>
-              <a:t>それらの課題、まだやってないことは何</a:t>
-            </a:r>
-            <a:r>
-              <a:rPr kumimoji="1" lang="ja-JP" altLang="en-US" sz="4400" dirty="0" smtClean="0"/>
-              <a:t>か</a:t>
+              <a:t>それらの課題、まだやってないことは何か</a:t>
             </a:r>
             <a:endParaRPr kumimoji="1" lang="en-US" altLang="ja-JP" sz="4400" dirty="0" smtClean="0"/>
           </a:p>
@@ -3757,6 +3756,496 @@
       </p:grpSpPr>
       <p:sp>
         <p:nvSpPr>
+          <p:cNvPr id="2" name="タイトル 1"/>
+          <p:cNvSpPr>
+            <a:spLocks noGrp="1"/>
+          </p:cNvSpPr>
+          <p:nvPr>
+            <p:ph type="title"/>
+          </p:nvPr>
+        </p:nvSpPr>
+        <p:spPr/>
+        <p:txBody>
+          <a:bodyPr/>
+          <a:lstStyle/>
+          <a:p>
+            <a:r>
+              <a:rPr lang="ja-JP" altLang="en-US" dirty="0"/>
+              <a:t>参考文献</a:t>
+            </a:r>
+            <a:endParaRPr kumimoji="1" lang="ja-JP" altLang="en-US" dirty="0"/>
+          </a:p>
+        </p:txBody>
+      </p:sp>
+      <p:sp>
+        <p:nvSpPr>
+          <p:cNvPr id="3" name="コンテンツ プレースホルダー 2"/>
+          <p:cNvSpPr>
+            <a:spLocks noGrp="1"/>
+          </p:cNvSpPr>
+          <p:nvPr>
+            <p:ph idx="1"/>
+          </p:nvPr>
+        </p:nvSpPr>
+        <p:spPr/>
+        <p:txBody>
+          <a:bodyPr/>
+          <a:lstStyle/>
+          <a:p>
+            <a:r>
+              <a:rPr lang="en-US" altLang="ja-JP" dirty="0"/>
+              <a:t>Python</a:t>
+            </a:r>
+            <a:r>
+              <a:rPr lang="ja-JP" altLang="en-US" dirty="0"/>
+              <a:t>の開発環境を用意しよう！（</a:t>
+            </a:r>
+            <a:r>
+              <a:rPr lang="en-US" altLang="ja-JP" dirty="0"/>
+              <a:t>Windows</a:t>
+            </a:r>
+            <a:r>
+              <a:rPr lang="ja-JP" altLang="en-US" dirty="0"/>
+              <a:t>） </a:t>
+            </a:r>
+            <a:endParaRPr lang="en-US" altLang="ja-JP" dirty="0" smtClean="0"/>
+          </a:p>
+          <a:p>
+            <a:pPr lvl="1"/>
+            <a:r>
+              <a:rPr lang="en-US" altLang="ja-JP" dirty="0" smtClean="0">
+                <a:hlinkClick r:id="rId2"/>
+              </a:rPr>
+              <a:t>https</a:t>
+            </a:r>
+            <a:r>
+              <a:rPr lang="en-US" altLang="ja-JP" dirty="0">
+                <a:hlinkClick r:id="rId2"/>
+              </a:rPr>
+              <a:t>://</a:t>
+            </a:r>
+            <a:r>
+              <a:rPr lang="en-US" altLang="ja-JP" dirty="0" smtClean="0">
+                <a:hlinkClick r:id="rId2"/>
+              </a:rPr>
+              <a:t>prog-8.com/docs/python-env-win</a:t>
+            </a:r>
+            <a:endParaRPr lang="en-US" altLang="ja-JP" dirty="0" smtClean="0"/>
+          </a:p>
+          <a:p>
+            <a:r>
+              <a:rPr lang="en-US" altLang="ja-JP" dirty="0"/>
+              <a:t>Anaconda </a:t>
+            </a:r>
+            <a:r>
+              <a:rPr lang="ja-JP" altLang="en-US" dirty="0"/>
+              <a:t>を </a:t>
+            </a:r>
+            <a:r>
+              <a:rPr lang="en-US" altLang="ja-JP" dirty="0"/>
+              <a:t>Windows </a:t>
+            </a:r>
+            <a:r>
+              <a:rPr lang="ja-JP" altLang="en-US" dirty="0"/>
+              <a:t>にインストールする</a:t>
+            </a:r>
+            <a:r>
+              <a:rPr lang="ja-JP" altLang="en-US" dirty="0" smtClean="0"/>
+              <a:t>手順</a:t>
+            </a:r>
+            <a:endParaRPr lang="en-US" altLang="ja-JP" dirty="0" smtClean="0"/>
+          </a:p>
+          <a:p>
+            <a:pPr lvl="1"/>
+            <a:r>
+              <a:rPr lang="en-US" altLang="ja-JP" u="sng" dirty="0" smtClean="0">
+                <a:hlinkClick r:id="rId3"/>
+              </a:rPr>
+              <a:t>https</a:t>
+            </a:r>
+            <a:r>
+              <a:rPr lang="en-US" altLang="ja-JP" u="sng" dirty="0">
+                <a:hlinkClick r:id="rId3"/>
+              </a:rPr>
+              <a:t>://weblabo.oscasierra.net/python-anaconda-install-windows/</a:t>
+            </a:r>
+            <a:endParaRPr lang="en-US" altLang="ja-JP" dirty="0" smtClean="0"/>
+          </a:p>
+          <a:p>
+            <a:r>
+              <a:rPr lang="en-US" altLang="ja-JP" dirty="0"/>
+              <a:t>Python</a:t>
+            </a:r>
+            <a:r>
+              <a:rPr lang="ja-JP" altLang="en-US" dirty="0"/>
+              <a:t>を</a:t>
+            </a:r>
+            <a:r>
+              <a:rPr lang="en-US" altLang="ja-JP" dirty="0"/>
+              <a:t>1</a:t>
+            </a:r>
+            <a:r>
+              <a:rPr lang="ja-JP" altLang="en-US" dirty="0"/>
+              <a:t>行毎に変数の中身見ながらステップ実行する方法</a:t>
+            </a:r>
+            <a:endParaRPr lang="en-US" altLang="ja-JP" dirty="0"/>
+          </a:p>
+          <a:p>
+            <a:pPr lvl="1"/>
+            <a:r>
+              <a:rPr lang="en-US" altLang="ja-JP" dirty="0" smtClean="0">
+                <a:hlinkClick r:id="rId4"/>
+              </a:rPr>
+              <a:t>https</a:t>
+            </a:r>
+            <a:r>
+              <a:rPr lang="en-US" altLang="ja-JP" dirty="0">
+                <a:hlinkClick r:id="rId4"/>
+              </a:rPr>
+              <a:t>://blog.stedplay.com/how-to-debug-python-in-vscode</a:t>
+            </a:r>
+            <a:r>
+              <a:rPr lang="en-US" altLang="ja-JP" dirty="0" smtClean="0">
+                <a:hlinkClick r:id="rId4"/>
+              </a:rPr>
+              <a:t>/</a:t>
+            </a:r>
+            <a:endParaRPr lang="en-US" altLang="ja-JP" dirty="0" smtClean="0"/>
+          </a:p>
+          <a:p>
+            <a:r>
+              <a:rPr lang="en-US" altLang="ja-JP" dirty="0"/>
+              <a:t>Python</a:t>
+            </a:r>
+            <a:r>
+              <a:rPr lang="ja-JP" altLang="en-US" dirty="0"/>
+              <a:t>文字列操作マスター</a:t>
+            </a:r>
+            <a:endParaRPr lang="en-US" altLang="ja-JP" dirty="0"/>
+          </a:p>
+          <a:p>
+            <a:pPr lvl="1"/>
+            <a:r>
+              <a:rPr lang="en-US" altLang="ja-JP" dirty="0" smtClean="0">
+                <a:hlinkClick r:id="rId5"/>
+              </a:rPr>
+              <a:t>https</a:t>
+            </a:r>
+            <a:r>
+              <a:rPr lang="en-US" altLang="ja-JP" dirty="0">
+                <a:hlinkClick r:id="rId5"/>
+              </a:rPr>
+              <a:t>://</a:t>
+            </a:r>
+            <a:r>
+              <a:rPr lang="en-US" altLang="ja-JP" dirty="0" smtClean="0">
+                <a:hlinkClick r:id="rId5"/>
+              </a:rPr>
+              <a:t>qiita.com/tomotaka_ito/items/594ee1396cf982ba9887</a:t>
+            </a:r>
+            <a:endParaRPr lang="en-US" altLang="ja-JP" dirty="0"/>
+          </a:p>
+          <a:p>
+            <a:endParaRPr kumimoji="1" lang="ja-JP" altLang="en-US" dirty="0"/>
+          </a:p>
+        </p:txBody>
+      </p:sp>
+    </p:spTree>
+    <p:extLst>
+      <p:ext uri="{BB962C8B-B14F-4D97-AF65-F5344CB8AC3E}">
+        <p14:creationId xmlns:p14="http://schemas.microsoft.com/office/powerpoint/2010/main" val="855291870"/>
+      </p:ext>
+    </p:extLst>
+  </p:cSld>
+  <p:clrMapOvr>
+    <a:masterClrMapping/>
+  </p:clrMapOvr>
+</p:sld>
+</file>
+
+<file path=ppt/slides/slide13.xml><?xml version="1.0" encoding="utf-8"?>
+<p:sld xmlns:a="http://schemas.openxmlformats.org/drawingml/2006/main" xmlns:r="http://schemas.openxmlformats.org/officeDocument/2006/relationships" xmlns:p="http://schemas.openxmlformats.org/presentationml/2006/main">
+  <p:cSld>
+    <p:spTree>
+      <p:nvGrpSpPr>
+        <p:cNvPr id="1" name=""/>
+        <p:cNvGrpSpPr/>
+        <p:nvPr/>
+      </p:nvGrpSpPr>
+      <p:grpSpPr>
+        <a:xfrm>
+          <a:off x="0" y="0"/>
+          <a:ext cx="0" cy="0"/>
+          <a:chOff x="0" y="0"/>
+          <a:chExt cx="0" cy="0"/>
+        </a:xfrm>
+      </p:grpSpPr>
+      <p:sp>
+        <p:nvSpPr>
+          <p:cNvPr id="2" name="タイトル 1"/>
+          <p:cNvSpPr>
+            <a:spLocks noGrp="1"/>
+          </p:cNvSpPr>
+          <p:nvPr>
+            <p:ph type="title"/>
+          </p:nvPr>
+        </p:nvSpPr>
+        <p:spPr/>
+        <p:txBody>
+          <a:bodyPr/>
+          <a:lstStyle/>
+          <a:p>
+            <a:r>
+              <a:rPr lang="ja-JP" altLang="en-US" dirty="0"/>
+              <a:t>参考文献</a:t>
+            </a:r>
+            <a:endParaRPr kumimoji="1" lang="ja-JP" altLang="en-US" dirty="0"/>
+          </a:p>
+        </p:txBody>
+      </p:sp>
+      <p:sp>
+        <p:nvSpPr>
+          <p:cNvPr id="3" name="コンテンツ プレースホルダー 2"/>
+          <p:cNvSpPr>
+            <a:spLocks noGrp="1"/>
+          </p:cNvSpPr>
+          <p:nvPr>
+            <p:ph idx="1"/>
+          </p:nvPr>
+        </p:nvSpPr>
+        <p:spPr/>
+        <p:txBody>
+          <a:bodyPr/>
+          <a:lstStyle/>
+          <a:p>
+            <a:r>
+              <a:rPr lang="en-US" altLang="ja-JP" dirty="0"/>
+              <a:t>Flask(</a:t>
+            </a:r>
+            <a:r>
+              <a:rPr lang="ja-JP" altLang="en-US" dirty="0"/>
+              <a:t>公式</a:t>
+            </a:r>
+            <a:r>
+              <a:rPr lang="en-US" altLang="ja-JP" dirty="0"/>
+              <a:t>)</a:t>
+            </a:r>
+          </a:p>
+          <a:p>
+            <a:pPr lvl="1"/>
+            <a:r>
+              <a:rPr lang="en-US" altLang="ja-JP" dirty="0">
+                <a:hlinkClick r:id="rId2"/>
+              </a:rPr>
+              <a:t>https://a2c.bitbucket.io/flask/</a:t>
+            </a:r>
+            <a:endParaRPr lang="en-US" altLang="ja-JP" dirty="0"/>
+          </a:p>
+          <a:p>
+            <a:r>
+              <a:rPr lang="en-US" altLang="ja-JP" dirty="0"/>
+              <a:t> [Python] Flask </a:t>
+            </a:r>
+            <a:r>
+              <a:rPr lang="ja-JP" altLang="en-US" dirty="0"/>
+              <a:t>入門</a:t>
+            </a:r>
+            <a:endParaRPr lang="en-US" altLang="ja-JP" dirty="0"/>
+          </a:p>
+          <a:p>
+            <a:pPr lvl="1"/>
+            <a:r>
+              <a:rPr lang="en-US" altLang="ja-JP" dirty="0">
+                <a:hlinkClick r:id="rId3"/>
+              </a:rPr>
+              <a:t>http://python.zombie-hunting-club.com/entry/2017/11/03/223503</a:t>
+            </a:r>
+            <a:endParaRPr lang="en-US" altLang="ja-JP" dirty="0"/>
+          </a:p>
+          <a:p>
+            <a:r>
+              <a:rPr lang="en-US" altLang="ja-JP" dirty="0" err="1"/>
+              <a:t>Matplotlib</a:t>
+            </a:r>
+            <a:r>
+              <a:rPr lang="ja-JP" altLang="en-US" dirty="0"/>
+              <a:t>描画画像を</a:t>
+            </a:r>
+            <a:r>
+              <a:rPr lang="en-US" altLang="ja-JP" dirty="0"/>
+              <a:t>Flask</a:t>
+            </a:r>
+            <a:r>
+              <a:rPr lang="ja-JP" altLang="en-US" dirty="0"/>
+              <a:t>による</a:t>
+            </a:r>
+            <a:r>
+              <a:rPr lang="en-US" altLang="ja-JP" dirty="0"/>
+              <a:t>Web</a:t>
+            </a:r>
+            <a:r>
+              <a:rPr lang="ja-JP" altLang="en-US" dirty="0"/>
+              <a:t>アプリにて</a:t>
+            </a:r>
+            <a:r>
+              <a:rPr lang="en-US" altLang="ja-JP" dirty="0" err="1"/>
+              <a:t>BytesIO</a:t>
+            </a:r>
+            <a:r>
+              <a:rPr lang="en-US" altLang="ja-JP" dirty="0"/>
+              <a:t> </a:t>
+            </a:r>
+            <a:r>
+              <a:rPr lang="ja-JP" altLang="en-US" dirty="0"/>
+              <a:t>を介して直接表示する方法</a:t>
+            </a:r>
+            <a:r>
+              <a:rPr lang="en-US" altLang="ja-JP" dirty="0"/>
+              <a:t>(※</a:t>
+            </a:r>
+            <a:r>
+              <a:rPr lang="ja-JP" altLang="en-US" dirty="0"/>
+              <a:t>挫折</a:t>
+            </a:r>
+            <a:r>
+              <a:rPr lang="en-US" altLang="ja-JP" dirty="0"/>
+              <a:t>)</a:t>
+            </a:r>
+            <a:r>
+              <a:rPr lang="ja-JP" altLang="en-US" dirty="0"/>
+              <a:t> </a:t>
+            </a:r>
+            <a:endParaRPr lang="en-US" altLang="ja-JP" dirty="0"/>
+          </a:p>
+          <a:p>
+            <a:pPr lvl="1"/>
+            <a:r>
+              <a:rPr lang="en-US" altLang="ja-JP" dirty="0">
+                <a:hlinkClick r:id="rId4"/>
+              </a:rPr>
+              <a:t>https://</a:t>
+            </a:r>
+            <a:r>
+              <a:rPr lang="en-US" altLang="ja-JP" dirty="0" smtClean="0">
+                <a:hlinkClick r:id="rId4"/>
+              </a:rPr>
+              <a:t>qiita.com/SatoshiTerasaki/items/8d79ec9d463bf0ce3595</a:t>
+            </a:r>
+            <a:endParaRPr lang="en-US" altLang="ja-JP" dirty="0"/>
+          </a:p>
+        </p:txBody>
+      </p:sp>
+    </p:spTree>
+    <p:extLst>
+      <p:ext uri="{BB962C8B-B14F-4D97-AF65-F5344CB8AC3E}">
+        <p14:creationId xmlns:p14="http://schemas.microsoft.com/office/powerpoint/2010/main" val="2297106694"/>
+      </p:ext>
+    </p:extLst>
+  </p:cSld>
+  <p:clrMapOvr>
+    <a:masterClrMapping/>
+  </p:clrMapOvr>
+</p:sld>
+</file>
+
+<file path=ppt/slides/slide14.xml><?xml version="1.0" encoding="utf-8"?>
+<p:sld xmlns:a="http://schemas.openxmlformats.org/drawingml/2006/main" xmlns:r="http://schemas.openxmlformats.org/officeDocument/2006/relationships" xmlns:p="http://schemas.openxmlformats.org/presentationml/2006/main">
+  <p:cSld>
+    <p:spTree>
+      <p:nvGrpSpPr>
+        <p:cNvPr id="1" name=""/>
+        <p:cNvGrpSpPr/>
+        <p:nvPr/>
+      </p:nvGrpSpPr>
+      <p:grpSpPr>
+        <a:xfrm>
+          <a:off x="0" y="0"/>
+          <a:ext cx="0" cy="0"/>
+          <a:chOff x="0" y="0"/>
+          <a:chExt cx="0" cy="0"/>
+        </a:xfrm>
+      </p:grpSpPr>
+      <p:sp>
+        <p:nvSpPr>
+          <p:cNvPr id="2" name="タイトル 1"/>
+          <p:cNvSpPr>
+            <a:spLocks noGrp="1"/>
+          </p:cNvSpPr>
+          <p:nvPr>
+            <p:ph type="title"/>
+          </p:nvPr>
+        </p:nvSpPr>
+        <p:spPr/>
+        <p:txBody>
+          <a:bodyPr/>
+          <a:lstStyle/>
+          <a:p>
+            <a:r>
+              <a:rPr kumimoji="1" lang="ja-JP" altLang="en-US" dirty="0" smtClean="0"/>
+              <a:t>参考文献</a:t>
+            </a:r>
+            <a:endParaRPr kumimoji="1" lang="ja-JP" altLang="en-US" dirty="0"/>
+          </a:p>
+        </p:txBody>
+      </p:sp>
+      <p:sp>
+        <p:nvSpPr>
+          <p:cNvPr id="3" name="コンテンツ プレースホルダー 2"/>
+          <p:cNvSpPr>
+            <a:spLocks noGrp="1"/>
+          </p:cNvSpPr>
+          <p:nvPr>
+            <p:ph idx="1"/>
+          </p:nvPr>
+        </p:nvSpPr>
+        <p:spPr>
+          <a:xfrm>
+            <a:off x="413468" y="1825625"/>
+            <a:ext cx="11778532" cy="4972740"/>
+          </a:xfrm>
+        </p:spPr>
+        <p:txBody>
+          <a:bodyPr>
+            <a:normAutofit/>
+          </a:bodyPr>
+          <a:lstStyle/>
+          <a:p>
+            <a:endParaRPr kumimoji="1" lang="ja-JP" altLang="en-US" dirty="0"/>
+          </a:p>
+        </p:txBody>
+      </p:sp>
+    </p:spTree>
+    <p:extLst>
+      <p:ext uri="{BB962C8B-B14F-4D97-AF65-F5344CB8AC3E}">
+        <p14:creationId xmlns:p14="http://schemas.microsoft.com/office/powerpoint/2010/main" val="2946117824"/>
+      </p:ext>
+    </p:extLst>
+  </p:cSld>
+  <p:clrMapOvr>
+    <a:masterClrMapping/>
+  </p:clrMapOvr>
+</p:sld>
+</file>
+
+<file path=ppt/slides/slide15.xml><?xml version="1.0" encoding="utf-8"?>
+<p:sld xmlns:a="http://schemas.openxmlformats.org/drawingml/2006/main" xmlns:r="http://schemas.openxmlformats.org/officeDocument/2006/relationships" xmlns:p="http://schemas.openxmlformats.org/presentationml/2006/main">
+  <p:cSld>
+    <p:spTree>
+      <p:nvGrpSpPr>
+        <p:cNvPr id="1" name=""/>
+        <p:cNvGrpSpPr/>
+        <p:nvPr/>
+      </p:nvGrpSpPr>
+      <p:grpSpPr>
+        <a:xfrm>
+          <a:off x="0" y="0"/>
+          <a:ext cx="0" cy="0"/>
+          <a:chOff x="0" y="0"/>
+          <a:chExt cx="0" cy="0"/>
+        </a:xfrm>
+      </p:grpSpPr>
+      <p:sp>
+        <p:nvSpPr>
           <p:cNvPr id="4" name="タイトル 3"/>
           <p:cNvSpPr>
             <a:spLocks noGrp="1"/>
@@ -3843,7 +4332,7 @@
 </p:sld>
 </file>
 
-<file path=ppt/slides/slide13.xml><?xml version="1.0" encoding="utf-8"?>
+<file path=ppt/slides/slide16.xml><?xml version="1.0" encoding="utf-8"?>
 <p:sld xmlns:a="http://schemas.openxmlformats.org/drawingml/2006/main" xmlns:r="http://schemas.openxmlformats.org/officeDocument/2006/relationships" xmlns:p="http://schemas.openxmlformats.org/presentationml/2006/main">
   <p:cSld>
     <p:spTree>
@@ -4114,8 +4603,8 @@
           </p:nvSpPr>
           <p:spPr>
             <a:xfrm>
-              <a:off x="3030309" y="3307516"/>
-              <a:ext cx="3130642" cy="830997"/>
+              <a:off x="3134529" y="3307516"/>
+              <a:ext cx="2639833" cy="830997"/>
             </a:xfrm>
             <a:prstGeom prst="rect">
               <a:avLst/>
@@ -4130,7 +4619,18 @@
             <a:p>
               <a:r>
                 <a:rPr kumimoji="1" lang="ja-JP" altLang="en-US" sz="2400" dirty="0" smtClean="0"/>
-                <a:t>世界は神様が作ったん</a:t>
+                <a:t>世界は神様</a:t>
+              </a:r>
+              <a:r>
+                <a:rPr kumimoji="1" lang="ja-JP" altLang="en-US" sz="2400" dirty="0" smtClean="0"/>
+                <a:t>が</a:t>
+              </a:r>
+              <a:endParaRPr kumimoji="1" lang="en-US" altLang="ja-JP" sz="2400" dirty="0" smtClean="0"/>
+            </a:p>
+            <a:p>
+              <a:r>
+                <a:rPr kumimoji="1" lang="ja-JP" altLang="en-US" sz="2400" dirty="0" smtClean="0"/>
+                <a:t>作ったん</a:t>
               </a:r>
               <a:r>
                 <a:rPr lang="ja-JP" altLang="en-US" sz="2400" dirty="0" smtClean="0"/>
@@ -4161,7 +4661,7 @@
 </p:sld>
 </file>
 
-<file path=ppt/slides/slide14.xml><?xml version="1.0" encoding="utf-8"?>
+<file path=ppt/slides/slide17.xml><?xml version="1.0" encoding="utf-8"?>
 <p:sld xmlns:a="http://schemas.openxmlformats.org/drawingml/2006/main" xmlns:r="http://schemas.openxmlformats.org/officeDocument/2006/relationships" xmlns:p="http://schemas.openxmlformats.org/presentationml/2006/main">
   <p:cSld>
     <p:spTree>
@@ -4383,7 +4883,7 @@
           </p:nvSpPr>
           <p:spPr>
             <a:xfrm>
-              <a:off x="4450008" y="4656063"/>
+              <a:off x="4311699" y="4692493"/>
               <a:ext cx="3060519" cy="1200329"/>
             </a:xfrm>
             <a:prstGeom prst="rect">
@@ -4397,13 +4897,42 @@
             </a:bodyPr>
             <a:lstStyle/>
             <a:p>
+              <a:pPr algn="ctr"/>
               <a:r>
                 <a:rPr lang="ja-JP" altLang="en-US" sz="2400" dirty="0" smtClean="0"/>
-                <a:t>生命って、</a:t>
+                <a:t>生命って</a:t>
+              </a:r>
+              <a:r>
+                <a:rPr lang="ja-JP" altLang="en-US" sz="2400" dirty="0" smtClean="0"/>
+                <a:t>、</a:t>
+              </a:r>
+              <a:endParaRPr lang="en-US" altLang="ja-JP" sz="2400" dirty="0" smtClean="0"/>
+            </a:p>
+            <a:p>
+              <a:pPr algn="ctr"/>
+              <a:r>
+                <a:rPr kumimoji="1" lang="ja-JP" altLang="en-US" sz="2400" dirty="0" smtClean="0"/>
+                <a:t>こんな</a:t>
               </a:r>
               <a:r>
                 <a:rPr kumimoji="1" lang="ja-JP" altLang="en-US" sz="2400" dirty="0" smtClean="0"/>
-                <a:t>思ったより単純な仕組みで出来てるんだな</a:t>
+                <a:t>仕組み</a:t>
+              </a:r>
+              <a:r>
+                <a:rPr kumimoji="1" lang="ja-JP" altLang="en-US" sz="2400" dirty="0" smtClean="0"/>
+                <a:t>で</a:t>
+              </a:r>
+              <a:endParaRPr kumimoji="1" lang="en-US" altLang="ja-JP" sz="2400" dirty="0" smtClean="0"/>
+            </a:p>
+            <a:p>
+              <a:pPr algn="ctr"/>
+              <a:r>
+                <a:rPr kumimoji="1" lang="ja-JP" altLang="en-US" sz="2400" dirty="0" smtClean="0"/>
+                <a:t>出来てるん</a:t>
+              </a:r>
+              <a:r>
+                <a:rPr kumimoji="1" lang="ja-JP" altLang="en-US" sz="2400" dirty="0" smtClean="0"/>
+                <a:t>だな</a:t>
               </a:r>
               <a:r>
                 <a:rPr lang="ja-JP" altLang="en-US" sz="2400" dirty="0" smtClean="0"/>
@@ -4427,7 +4956,7 @@
 </p:sld>
 </file>
 
-<file path=ppt/slides/slide15.xml><?xml version="1.0" encoding="utf-8"?>
+<file path=ppt/slides/slide18.xml><?xml version="1.0" encoding="utf-8"?>
 <p:sld xmlns:a="http://schemas.openxmlformats.org/drawingml/2006/main" xmlns:r="http://schemas.openxmlformats.org/officeDocument/2006/relationships" xmlns:p="http://schemas.openxmlformats.org/presentationml/2006/main">
   <p:cSld>
     <p:spTree>
